--- a/HCI/Assignement1/Vocabulary.pptx
+++ b/HCI/Assignement1/Vocabulary.pptx
@@ -230,7 +230,7 @@
           <a:p>
             <a:fld id="{FC23E10C-4735-4A0D-A76B-FFFBF4B6ED03}" type="datetimeFigureOut">
               <a:rPr lang="en-US" smtClean="0"/>
-              <a:t>4/6/2021</a:t>
+              <a:t>6/4/2021</a:t>
             </a:fld>
             <a:endParaRPr lang="en-US" dirty="0"/>
           </a:p>
@@ -407,7 +407,7 @@
           <a:p>
             <a:fld id="{87735CDE-2E0B-4188-96E9-ADF9ACB826A9}" type="datetimeFigureOut">
               <a:rPr lang="en-US" noProof="0" smtClean="0"/>
-              <a:t>4/6/2021</a:t>
+              <a:t>6/4/2021</a:t>
             </a:fld>
             <a:endParaRPr lang="en-US" noProof="0" dirty="0"/>
           </a:p>
@@ -26241,6 +26241,13 @@
   <p:clrMapOvr>
     <a:masterClrMapping/>
   </p:clrMapOvr>
+  <p:timing>
+    <p:tnLst>
+      <p:par>
+        <p:cTn id="1" dur="indefinite" restart="never" nodeType="tmRoot"/>
+      </p:par>
+    </p:tnLst>
+  </p:timing>
 </p:sld>
 </file>
 
@@ -26432,6 +26439,13 @@
   <p:clrMapOvr>
     <a:masterClrMapping/>
   </p:clrMapOvr>
+  <p:timing>
+    <p:tnLst>
+      <p:par>
+        <p:cTn id="1" dur="indefinite" restart="never" nodeType="tmRoot"/>
+      </p:par>
+    </p:tnLst>
+  </p:timing>
 </p:sld>
 </file>
 
@@ -26534,6 +26548,13 @@
   <p:clrMapOvr>
     <a:masterClrMapping/>
   </p:clrMapOvr>
+  <p:timing>
+    <p:tnLst>
+      <p:par>
+        <p:cTn id="1" dur="indefinite" restart="never" nodeType="tmRoot"/>
+      </p:par>
+    </p:tnLst>
+  </p:timing>
 </p:sld>
 </file>
 
@@ -26605,8 +26626,8 @@
         </p:blipFill>
         <p:spPr>
           <a:xfrm>
-            <a:off x="2220725" y="0"/>
-            <a:ext cx="8319355" cy="6584474"/>
+            <a:off x="2220725" y="365759"/>
+            <a:ext cx="8319355" cy="6218713"/>
           </a:xfrm>
           <a:prstGeom prst="rect">
             <a:avLst/>
@@ -26623,6 +26644,13 @@
   <p:clrMapOvr>
     <a:masterClrMapping/>
   </p:clrMapOvr>
+  <p:timing>
+    <p:tnLst>
+      <p:par>
+        <p:cTn id="1" dur="indefinite" restart="never" nodeType="tmRoot"/>
+      </p:par>
+    </p:tnLst>
+  </p:timing>
 </p:sld>
 </file>
 
@@ -26725,6 +26753,13 @@
   <p:clrMapOvr>
     <a:masterClrMapping/>
   </p:clrMapOvr>
+  <p:timing>
+    <p:tnLst>
+      <p:par>
+        <p:cTn id="1" dur="indefinite" restart="never" nodeType="tmRoot"/>
+      </p:par>
+    </p:tnLst>
+  </p:timing>
 </p:sld>
 </file>
 
@@ -26827,6 +26862,13 @@
   <p:clrMapOvr>
     <a:masterClrMapping/>
   </p:clrMapOvr>
+  <p:timing>
+    <p:tnLst>
+      <p:par>
+        <p:cTn id="1" dur="indefinite" restart="never" nodeType="tmRoot"/>
+      </p:par>
+    </p:tnLst>
+  </p:timing>
 </p:sld>
 </file>
 
@@ -27473,6 +27515,13 @@
   <p:clrMapOvr>
     <a:masterClrMapping/>
   </p:clrMapOvr>
+  <p:timing>
+    <p:tnLst>
+      <p:par>
+        <p:cTn id="1" dur="indefinite" restart="never" nodeType="tmRoot"/>
+      </p:par>
+    </p:tnLst>
+  </p:timing>
 </p:sld>
 </file>
 
@@ -27694,6 +27743,13 @@
   <p:clrMapOvr>
     <a:masterClrMapping/>
   </p:clrMapOvr>
+  <p:timing>
+    <p:tnLst>
+      <p:par>
+        <p:cTn id="1" dur="indefinite" restart="never" nodeType="tmRoot"/>
+      </p:par>
+    </p:tnLst>
+  </p:timing>
 </p:sld>
 </file>
 
@@ -27796,6 +27852,13 @@
   <p:clrMapOvr>
     <a:masterClrMapping/>
   </p:clrMapOvr>
+  <p:timing>
+    <p:tnLst>
+      <p:par>
+        <p:cTn id="1" dur="indefinite" restart="never" nodeType="tmRoot"/>
+      </p:par>
+    </p:tnLst>
+  </p:timing>
 </p:sld>
 </file>
 
@@ -27915,6 +27978,13 @@
   <p:clrMapOvr>
     <a:masterClrMapping/>
   </p:clrMapOvr>
+  <p:timing>
+    <p:tnLst>
+      <p:par>
+        <p:cTn id="1" dur="indefinite" restart="never" nodeType="tmRoot"/>
+      </p:par>
+    </p:tnLst>
+  </p:timing>
 </p:sld>
 </file>
 
@@ -28034,6 +28104,13 @@
   <p:clrMapOvr>
     <a:masterClrMapping/>
   </p:clrMapOvr>
+  <p:timing>
+    <p:tnLst>
+      <p:par>
+        <p:cTn id="1" dur="indefinite" restart="never" nodeType="tmRoot"/>
+      </p:par>
+    </p:tnLst>
+  </p:timing>
 </p:sld>
 </file>
 
@@ -28136,6 +28213,13 @@
   <p:clrMapOvr>
     <a:masterClrMapping/>
   </p:clrMapOvr>
+  <p:timing>
+    <p:tnLst>
+      <p:par>
+        <p:cTn id="1" dur="indefinite" restart="never" nodeType="tmRoot"/>
+      </p:par>
+    </p:tnLst>
+  </p:timing>
 </p:sld>
 </file>
 
@@ -28409,6 +28493,13 @@
   <p:clrMapOvr>
     <a:masterClrMapping/>
   </p:clrMapOvr>
+  <p:timing>
+    <p:tnLst>
+      <p:par>
+        <p:cTn id="1" dur="indefinite" restart="never" nodeType="tmRoot"/>
+      </p:par>
+    </p:tnLst>
+  </p:timing>
 </p:sld>
 </file>
 
@@ -28649,6 +28740,13 @@
   <p:clrMapOvr>
     <a:masterClrMapping/>
   </p:clrMapOvr>
+  <p:timing>
+    <p:tnLst>
+      <p:par>
+        <p:cTn id="1" dur="indefinite" restart="never" nodeType="tmRoot"/>
+      </p:par>
+    </p:tnLst>
+  </p:timing>
 </p:sld>
 </file>
 
@@ -29485,20 +29583,20 @@
 </file>
 
 <file path=customXml/item1.xml><?xml version="1.0" encoding="utf-8"?>
-<p:properties xmlns:p="http://schemas.microsoft.com/office/2006/metadata/properties" xmlns:xsi="http://www.w3.org/2001/XMLSchema-instance" xmlns:pc="http://schemas.microsoft.com/office/infopath/2007/PartnerControls">
-  <documentManagement>
-    <MediaServiceKeyPoints xmlns="71af3243-3dd4-4a8d-8c0d-dd76da1f02a5" xsi:nil="true"/>
-  </documentManagement>
-</p:properties>
-</file>
-
-<file path=customXml/item2.xml><?xml version="1.0" encoding="utf-8"?>
 <?mso-contentType ?>
 <FormTemplates xmlns="http://schemas.microsoft.com/sharepoint/v3/contenttype/forms">
   <Display>DocumentLibraryForm</Display>
   <Edit>DocumentLibraryForm</Edit>
   <New>DocumentLibraryForm</New>
 </FormTemplates>
+</file>
+
+<file path=customXml/item2.xml><?xml version="1.0" encoding="utf-8"?>
+<p:properties xmlns:p="http://schemas.microsoft.com/office/2006/metadata/properties" xmlns:xsi="http://www.w3.org/2001/XMLSchema-instance" xmlns:pc="http://schemas.microsoft.com/office/infopath/2007/PartnerControls">
+  <documentManagement>
+    <MediaServiceKeyPoints xmlns="71af3243-3dd4-4a8d-8c0d-dd76da1f02a5" xsi:nil="true"/>
+  </documentManagement>
+</p:properties>
 </file>
 
 <file path=customXml/item3.xml><?xml version="1.0" encoding="utf-8"?>
@@ -29713,19 +29811,19 @@
 </file>
 
 <file path=customXml/itemProps1.xml><?xml version="1.0" encoding="utf-8"?>
+<ds:datastoreItem xmlns:ds="http://schemas.openxmlformats.org/officeDocument/2006/customXml" ds:itemID="{C5EE5440-5A1F-438E-9118-BE5E33F9727E}">
+  <ds:schemaRefs>
+    <ds:schemaRef ds:uri="http://schemas.microsoft.com/sharepoint/v3/contenttype/forms"/>
+  </ds:schemaRefs>
+</ds:datastoreItem>
+</file>
+
+<file path=customXml/itemProps2.xml><?xml version="1.0" encoding="utf-8"?>
 <ds:datastoreItem xmlns:ds="http://schemas.openxmlformats.org/officeDocument/2006/customXml" ds:itemID="{BEF6C8FF-3D90-457B-9108-406F928CD7CB}">
   <ds:schemaRefs>
     <ds:schemaRef ds:uri="http://schemas.microsoft.com/office/2006/metadata/properties"/>
     <ds:schemaRef ds:uri="http://schemas.microsoft.com/office/infopath/2007/PartnerControls"/>
     <ds:schemaRef ds:uri="71af3243-3dd4-4a8d-8c0d-dd76da1f02a5"/>
-  </ds:schemaRefs>
-</ds:datastoreItem>
-</file>
-
-<file path=customXml/itemProps2.xml><?xml version="1.0" encoding="utf-8"?>
-<ds:datastoreItem xmlns:ds="http://schemas.openxmlformats.org/officeDocument/2006/customXml" ds:itemID="{C5EE5440-5A1F-438E-9118-BE5E33F9727E}">
-  <ds:schemaRefs>
-    <ds:schemaRef ds:uri="http://schemas.microsoft.com/sharepoint/v3/contenttype/forms"/>
   </ds:schemaRefs>
 </ds:datastoreItem>
 </file>
